--- a/TCC/III Jornada de Iniciação Científica e Tecnológica Tempate–2018.pptx
+++ b/TCC/III Jornada de Iniciação Científica e Tecnológica Tempate–2018.pptx
@@ -10,9 +10,10 @@
     <p:sldId id="263" r:id="rId4"/>
     <p:sldId id="264" r:id="rId5"/>
     <p:sldId id="265" r:id="rId6"/>
-    <p:sldId id="266" r:id="rId7"/>
-    <p:sldId id="267" r:id="rId8"/>
-    <p:sldId id="268" r:id="rId9"/>
+    <p:sldId id="269" r:id="rId7"/>
+    <p:sldId id="266" r:id="rId8"/>
+    <p:sldId id="267" r:id="rId9"/>
+    <p:sldId id="268" r:id="rId10"/>
   </p:sldIdLst>
   <p:sldSz cx="9144000" cy="6858000" type="screen4x3"/>
   <p:notesSz cx="6858000" cy="9144000"/>
@@ -111,6 +112,22 @@
       </a:defRPr>
     </a:lvl9pPr>
   </p:defaultTextStyle>
+  <p:extLst>
+    <p:ext uri="{EFAFB233-063F-42B5-8137-9DF3F51BA10A}">
+      <p15:sldGuideLst xmlns:p15="http://schemas.microsoft.com/office/powerpoint/2012/main">
+        <p15:guide id="1" orient="horz" pos="2160">
+          <p15:clr>
+            <a:srgbClr val="A4A3A4"/>
+          </p15:clr>
+        </p15:guide>
+        <p15:guide id="2" pos="2880">
+          <p15:clr>
+            <a:srgbClr val="A4A3A4"/>
+          </p15:clr>
+        </p15:guide>
+      </p15:sldGuideLst>
+    </p:ext>
+  </p:extLst>
 </p:presentation>
 </file>
 
@@ -682,7 +699,7 @@
           </a:lstStyle>
           <a:p>
             <a:r>
-              <a:rPr kumimoji="0" lang="pt-BR" smtClean="0"/>
+              <a:rPr kumimoji="0" lang="pt-BR"/>
               <a:t>Clique para editar o título mestre</a:t>
             </a:r>
             <a:endParaRPr kumimoji="0" lang="en-US"/>
@@ -743,7 +760,7 @@
           </a:lstStyle>
           <a:p>
             <a:r>
-              <a:rPr kumimoji="0" lang="pt-BR" smtClean="0"/>
+              <a:rPr kumimoji="0" lang="pt-BR"/>
               <a:t>Clique para editar o estilo do subtítulo mestre</a:t>
             </a:r>
             <a:endParaRPr kumimoji="0" lang="en-US"/>
@@ -772,7 +789,7 @@
           <a:p>
             <a:fld id="{6B09C886-1C16-40F3-90D5-57C7B102716A}" type="datetimeFigureOut">
               <a:rPr lang="pt-BR" smtClean="0"/>
-              <a:t>08/05/2018</a:t>
+              <a:t>25/05/2018</a:t>
             </a:fld>
             <a:endParaRPr lang="pt-BR"/>
           </a:p>
@@ -879,7 +896,7 @@
           <a:lstStyle/>
           <a:p>
             <a:r>
-              <a:rPr kumimoji="0" lang="pt-BR" smtClean="0"/>
+              <a:rPr kumimoji="0" lang="pt-BR"/>
               <a:t>Clique para editar o título mestre</a:t>
             </a:r>
             <a:endParaRPr kumimoji="0" lang="en-US"/>
@@ -903,35 +920,35 @@
           <a:p>
             <a:pPr lvl="0" eaLnBrk="1" latinLnBrk="0" hangingPunct="1"/>
             <a:r>
-              <a:rPr lang="pt-BR" smtClean="0"/>
+              <a:rPr lang="pt-BR"/>
               <a:t>Clique para editar o texto mestre</a:t>
             </a:r>
           </a:p>
           <a:p>
             <a:pPr lvl="1" eaLnBrk="1" latinLnBrk="0" hangingPunct="1"/>
             <a:r>
-              <a:rPr lang="pt-BR" smtClean="0"/>
+              <a:rPr lang="pt-BR"/>
               <a:t>Segundo nível</a:t>
             </a:r>
           </a:p>
           <a:p>
             <a:pPr lvl="2" eaLnBrk="1" latinLnBrk="0" hangingPunct="1"/>
             <a:r>
-              <a:rPr lang="pt-BR" smtClean="0"/>
+              <a:rPr lang="pt-BR"/>
               <a:t>Terceiro nível</a:t>
             </a:r>
           </a:p>
           <a:p>
             <a:pPr lvl="3" eaLnBrk="1" latinLnBrk="0" hangingPunct="1"/>
             <a:r>
-              <a:rPr lang="pt-BR" smtClean="0"/>
+              <a:rPr lang="pt-BR"/>
               <a:t>Quarto nível</a:t>
             </a:r>
           </a:p>
           <a:p>
             <a:pPr lvl="4" eaLnBrk="1" latinLnBrk="0" hangingPunct="1"/>
             <a:r>
-              <a:rPr lang="pt-BR" smtClean="0"/>
+              <a:rPr lang="pt-BR"/>
               <a:t>Quinto nível</a:t>
             </a:r>
             <a:endParaRPr kumimoji="0" lang="en-US"/>
@@ -955,7 +972,7 @@
           <a:p>
             <a:fld id="{6B09C886-1C16-40F3-90D5-57C7B102716A}" type="datetimeFigureOut">
               <a:rPr lang="pt-BR" smtClean="0"/>
-              <a:t>08/05/2018</a:t>
+              <a:t>25/05/2018</a:t>
             </a:fld>
             <a:endParaRPr lang="pt-BR"/>
           </a:p>
@@ -1049,7 +1066,7 @@
           <a:lstStyle/>
           <a:p>
             <a:r>
-              <a:rPr kumimoji="0" lang="pt-BR" smtClean="0"/>
+              <a:rPr kumimoji="0" lang="pt-BR"/>
               <a:t>Clique para editar o título mestre</a:t>
             </a:r>
             <a:endParaRPr kumimoji="0" lang="en-US"/>
@@ -1078,35 +1095,35 @@
           <a:p>
             <a:pPr lvl="0" eaLnBrk="1" latinLnBrk="0" hangingPunct="1"/>
             <a:r>
-              <a:rPr lang="pt-BR" smtClean="0"/>
+              <a:rPr lang="pt-BR"/>
               <a:t>Clique para editar o texto mestre</a:t>
             </a:r>
           </a:p>
           <a:p>
             <a:pPr lvl="1" eaLnBrk="1" latinLnBrk="0" hangingPunct="1"/>
             <a:r>
-              <a:rPr lang="pt-BR" smtClean="0"/>
+              <a:rPr lang="pt-BR"/>
               <a:t>Segundo nível</a:t>
             </a:r>
           </a:p>
           <a:p>
             <a:pPr lvl="2" eaLnBrk="1" latinLnBrk="0" hangingPunct="1"/>
             <a:r>
-              <a:rPr lang="pt-BR" smtClean="0"/>
+              <a:rPr lang="pt-BR"/>
               <a:t>Terceiro nível</a:t>
             </a:r>
           </a:p>
           <a:p>
             <a:pPr lvl="3" eaLnBrk="1" latinLnBrk="0" hangingPunct="1"/>
             <a:r>
-              <a:rPr lang="pt-BR" smtClean="0"/>
+              <a:rPr lang="pt-BR"/>
               <a:t>Quarto nível</a:t>
             </a:r>
           </a:p>
           <a:p>
             <a:pPr lvl="4" eaLnBrk="1" latinLnBrk="0" hangingPunct="1"/>
             <a:r>
-              <a:rPr lang="pt-BR" smtClean="0"/>
+              <a:rPr lang="pt-BR"/>
               <a:t>Quinto nível</a:t>
             </a:r>
             <a:endParaRPr kumimoji="0" lang="en-US"/>
@@ -1130,7 +1147,7 @@
           <a:p>
             <a:fld id="{6B09C886-1C16-40F3-90D5-57C7B102716A}" type="datetimeFigureOut">
               <a:rPr lang="pt-BR" smtClean="0"/>
-              <a:t>08/05/2018</a:t>
+              <a:t>25/05/2018</a:t>
             </a:fld>
             <a:endParaRPr lang="pt-BR"/>
           </a:p>
@@ -1219,7 +1236,7 @@
           <a:lstStyle/>
           <a:p>
             <a:r>
-              <a:rPr kumimoji="0" lang="pt-BR" smtClean="0"/>
+              <a:rPr kumimoji="0" lang="pt-BR"/>
               <a:t>Clique para editar o título mestre</a:t>
             </a:r>
             <a:endParaRPr kumimoji="0" lang="en-US"/>
@@ -1243,35 +1260,35 @@
           <a:p>
             <a:pPr lvl="0" eaLnBrk="1" latinLnBrk="0" hangingPunct="1"/>
             <a:r>
-              <a:rPr lang="pt-BR" smtClean="0"/>
+              <a:rPr lang="pt-BR"/>
               <a:t>Clique para editar o texto mestre</a:t>
             </a:r>
           </a:p>
           <a:p>
             <a:pPr lvl="1" eaLnBrk="1" latinLnBrk="0" hangingPunct="1"/>
             <a:r>
-              <a:rPr lang="pt-BR" smtClean="0"/>
+              <a:rPr lang="pt-BR"/>
               <a:t>Segundo nível</a:t>
             </a:r>
           </a:p>
           <a:p>
             <a:pPr lvl="2" eaLnBrk="1" latinLnBrk="0" hangingPunct="1"/>
             <a:r>
-              <a:rPr lang="pt-BR" smtClean="0"/>
+              <a:rPr lang="pt-BR"/>
               <a:t>Terceiro nível</a:t>
             </a:r>
           </a:p>
           <a:p>
             <a:pPr lvl="3" eaLnBrk="1" latinLnBrk="0" hangingPunct="1"/>
             <a:r>
-              <a:rPr lang="pt-BR" smtClean="0"/>
+              <a:rPr lang="pt-BR"/>
               <a:t>Quarto nível</a:t>
             </a:r>
           </a:p>
           <a:p>
             <a:pPr lvl="4" eaLnBrk="1" latinLnBrk="0" hangingPunct="1"/>
             <a:r>
-              <a:rPr lang="pt-BR" smtClean="0"/>
+              <a:rPr lang="pt-BR"/>
               <a:t>Quinto nível</a:t>
             </a:r>
             <a:endParaRPr kumimoji="0" lang="en-US"/>
@@ -1295,7 +1312,7 @@
           <a:p>
             <a:fld id="{6B09C886-1C16-40F3-90D5-57C7B102716A}" type="datetimeFigureOut">
               <a:rPr lang="pt-BR" smtClean="0"/>
-              <a:t>08/05/2018</a:t>
+              <a:t>25/05/2018</a:t>
             </a:fld>
             <a:endParaRPr lang="pt-BR"/>
           </a:p>
@@ -1415,7 +1432,7 @@
           </a:lstStyle>
           <a:p>
             <a:r>
-              <a:rPr kumimoji="0" lang="pt-BR" smtClean="0"/>
+              <a:rPr kumimoji="0" lang="pt-BR"/>
               <a:t>Clique para editar o título mestre</a:t>
             </a:r>
             <a:endParaRPr kumimoji="0" lang="en-US"/>
@@ -1493,7 +1510,7 @@
           <a:p>
             <a:pPr lvl="0" eaLnBrk="1" latinLnBrk="0" hangingPunct="1"/>
             <a:r>
-              <a:rPr kumimoji="0" lang="pt-BR" smtClean="0"/>
+              <a:rPr kumimoji="0" lang="pt-BR"/>
               <a:t>Clique para editar o texto mestre</a:t>
             </a:r>
           </a:p>
@@ -1516,7 +1533,7 @@
           <a:p>
             <a:fld id="{6B09C886-1C16-40F3-90D5-57C7B102716A}" type="datetimeFigureOut">
               <a:rPr lang="pt-BR" smtClean="0"/>
-              <a:t>08/05/2018</a:t>
+              <a:t>25/05/2018</a:t>
             </a:fld>
             <a:endParaRPr lang="pt-BR"/>
           </a:p>
@@ -1605,7 +1622,7 @@
           <a:lstStyle/>
           <a:p>
             <a:r>
-              <a:rPr kumimoji="0" lang="pt-BR" smtClean="0"/>
+              <a:rPr kumimoji="0" lang="pt-BR"/>
               <a:t>Clique para editar o título mestre</a:t>
             </a:r>
             <a:endParaRPr kumimoji="0" lang="en-US"/>
@@ -1650,35 +1667,35 @@
           <a:p>
             <a:pPr lvl="0" eaLnBrk="1" latinLnBrk="0" hangingPunct="1"/>
             <a:r>
-              <a:rPr lang="pt-BR" smtClean="0"/>
+              <a:rPr lang="pt-BR"/>
               <a:t>Clique para editar o texto mestre</a:t>
             </a:r>
           </a:p>
           <a:p>
             <a:pPr lvl="1" eaLnBrk="1" latinLnBrk="0" hangingPunct="1"/>
             <a:r>
-              <a:rPr lang="pt-BR" smtClean="0"/>
+              <a:rPr lang="pt-BR"/>
               <a:t>Segundo nível</a:t>
             </a:r>
           </a:p>
           <a:p>
             <a:pPr lvl="2" eaLnBrk="1" latinLnBrk="0" hangingPunct="1"/>
             <a:r>
-              <a:rPr lang="pt-BR" smtClean="0"/>
+              <a:rPr lang="pt-BR"/>
               <a:t>Terceiro nível</a:t>
             </a:r>
           </a:p>
           <a:p>
             <a:pPr lvl="3" eaLnBrk="1" latinLnBrk="0" hangingPunct="1"/>
             <a:r>
-              <a:rPr lang="pt-BR" smtClean="0"/>
+              <a:rPr lang="pt-BR"/>
               <a:t>Quarto nível</a:t>
             </a:r>
           </a:p>
           <a:p>
             <a:pPr lvl="4" eaLnBrk="1" latinLnBrk="0" hangingPunct="1"/>
             <a:r>
-              <a:rPr lang="pt-BR" smtClean="0"/>
+              <a:rPr lang="pt-BR"/>
               <a:t>Quinto nível</a:t>
             </a:r>
             <a:endParaRPr kumimoji="0" lang="en-US"/>
@@ -1723,35 +1740,35 @@
           <a:p>
             <a:pPr lvl="0" eaLnBrk="1" latinLnBrk="0" hangingPunct="1"/>
             <a:r>
-              <a:rPr lang="pt-BR" smtClean="0"/>
+              <a:rPr lang="pt-BR"/>
               <a:t>Clique para editar o texto mestre</a:t>
             </a:r>
           </a:p>
           <a:p>
             <a:pPr lvl="1" eaLnBrk="1" latinLnBrk="0" hangingPunct="1"/>
             <a:r>
-              <a:rPr lang="pt-BR" smtClean="0"/>
+              <a:rPr lang="pt-BR"/>
               <a:t>Segundo nível</a:t>
             </a:r>
           </a:p>
           <a:p>
             <a:pPr lvl="2" eaLnBrk="1" latinLnBrk="0" hangingPunct="1"/>
             <a:r>
-              <a:rPr lang="pt-BR" smtClean="0"/>
+              <a:rPr lang="pt-BR"/>
               <a:t>Terceiro nível</a:t>
             </a:r>
           </a:p>
           <a:p>
             <a:pPr lvl="3" eaLnBrk="1" latinLnBrk="0" hangingPunct="1"/>
             <a:r>
-              <a:rPr lang="pt-BR" smtClean="0"/>
+              <a:rPr lang="pt-BR"/>
               <a:t>Quarto nível</a:t>
             </a:r>
           </a:p>
           <a:p>
             <a:pPr lvl="4" eaLnBrk="1" latinLnBrk="0" hangingPunct="1"/>
             <a:r>
-              <a:rPr lang="pt-BR" smtClean="0"/>
+              <a:rPr lang="pt-BR"/>
               <a:t>Quinto nível</a:t>
             </a:r>
             <a:endParaRPr kumimoji="0" lang="en-US"/>
@@ -1775,7 +1792,7 @@
           <a:p>
             <a:fld id="{6B09C886-1C16-40F3-90D5-57C7B102716A}" type="datetimeFigureOut">
               <a:rPr lang="pt-BR" smtClean="0"/>
-              <a:t>08/05/2018</a:t>
+              <a:t>25/05/2018</a:t>
             </a:fld>
             <a:endParaRPr lang="pt-BR"/>
           </a:p>
@@ -1873,7 +1890,7 @@
           </a:lstStyle>
           <a:p>
             <a:r>
-              <a:rPr kumimoji="0" lang="pt-BR" smtClean="0"/>
+              <a:rPr kumimoji="0" lang="pt-BR"/>
               <a:t>Clique para editar o título mestre</a:t>
             </a:r>
             <a:endParaRPr kumimoji="0" lang="en-US"/>
@@ -1942,7 +1959,7 @@
           <a:p>
             <a:pPr lvl="0" eaLnBrk="1" latinLnBrk="0" hangingPunct="1"/>
             <a:r>
-              <a:rPr kumimoji="0" lang="pt-BR" smtClean="0"/>
+              <a:rPr kumimoji="0" lang="pt-BR"/>
               <a:t>Clique para editar o texto mestre</a:t>
             </a:r>
           </a:p>
@@ -2010,7 +2027,7 @@
           <a:p>
             <a:pPr lvl="0" eaLnBrk="1" latinLnBrk="0" hangingPunct="1"/>
             <a:r>
-              <a:rPr kumimoji="0" lang="pt-BR" smtClean="0"/>
+              <a:rPr kumimoji="0" lang="pt-BR"/>
               <a:t>Clique para editar o texto mestre</a:t>
             </a:r>
           </a:p>
@@ -2054,35 +2071,35 @@
           <a:p>
             <a:pPr lvl="0" eaLnBrk="1" latinLnBrk="0" hangingPunct="1"/>
             <a:r>
-              <a:rPr lang="pt-BR" smtClean="0"/>
+              <a:rPr lang="pt-BR"/>
               <a:t>Clique para editar o texto mestre</a:t>
             </a:r>
           </a:p>
           <a:p>
             <a:pPr lvl="1" eaLnBrk="1" latinLnBrk="0" hangingPunct="1"/>
             <a:r>
-              <a:rPr lang="pt-BR" smtClean="0"/>
+              <a:rPr lang="pt-BR"/>
               <a:t>Segundo nível</a:t>
             </a:r>
           </a:p>
           <a:p>
             <a:pPr lvl="2" eaLnBrk="1" latinLnBrk="0" hangingPunct="1"/>
             <a:r>
-              <a:rPr lang="pt-BR" smtClean="0"/>
+              <a:rPr lang="pt-BR"/>
               <a:t>Terceiro nível</a:t>
             </a:r>
           </a:p>
           <a:p>
             <a:pPr lvl="3" eaLnBrk="1" latinLnBrk="0" hangingPunct="1"/>
             <a:r>
-              <a:rPr lang="pt-BR" smtClean="0"/>
+              <a:rPr lang="pt-BR"/>
               <a:t>Quarto nível</a:t>
             </a:r>
           </a:p>
           <a:p>
             <a:pPr lvl="4" eaLnBrk="1" latinLnBrk="0" hangingPunct="1"/>
             <a:r>
-              <a:rPr lang="pt-BR" smtClean="0"/>
+              <a:rPr lang="pt-BR"/>
               <a:t>Quinto nível</a:t>
             </a:r>
             <a:endParaRPr kumimoji="0" lang="en-US"/>
@@ -2127,35 +2144,35 @@
           <a:p>
             <a:pPr lvl="0" eaLnBrk="1" latinLnBrk="0" hangingPunct="1"/>
             <a:r>
-              <a:rPr lang="pt-BR" smtClean="0"/>
+              <a:rPr lang="pt-BR"/>
               <a:t>Clique para editar o texto mestre</a:t>
             </a:r>
           </a:p>
           <a:p>
             <a:pPr lvl="1" eaLnBrk="1" latinLnBrk="0" hangingPunct="1"/>
             <a:r>
-              <a:rPr lang="pt-BR" smtClean="0"/>
+              <a:rPr lang="pt-BR"/>
               <a:t>Segundo nível</a:t>
             </a:r>
           </a:p>
           <a:p>
             <a:pPr lvl="2" eaLnBrk="1" latinLnBrk="0" hangingPunct="1"/>
             <a:r>
-              <a:rPr lang="pt-BR" smtClean="0"/>
+              <a:rPr lang="pt-BR"/>
               <a:t>Terceiro nível</a:t>
             </a:r>
           </a:p>
           <a:p>
             <a:pPr lvl="3" eaLnBrk="1" latinLnBrk="0" hangingPunct="1"/>
             <a:r>
-              <a:rPr lang="pt-BR" smtClean="0"/>
+              <a:rPr lang="pt-BR"/>
               <a:t>Quarto nível</a:t>
             </a:r>
           </a:p>
           <a:p>
             <a:pPr lvl="4" eaLnBrk="1" latinLnBrk="0" hangingPunct="1"/>
             <a:r>
-              <a:rPr lang="pt-BR" smtClean="0"/>
+              <a:rPr lang="pt-BR"/>
               <a:t>Quinto nível</a:t>
             </a:r>
             <a:endParaRPr kumimoji="0" lang="en-US"/>
@@ -2179,7 +2196,7 @@
           <a:p>
             <a:fld id="{6B09C886-1C16-40F3-90D5-57C7B102716A}" type="datetimeFigureOut">
               <a:rPr lang="pt-BR" smtClean="0"/>
-              <a:t>08/05/2018</a:t>
+              <a:t>25/05/2018</a:t>
             </a:fld>
             <a:endParaRPr lang="pt-BR"/>
           </a:p>
@@ -2281,7 +2298,7 @@
           </a:lstStyle>
           <a:p>
             <a:r>
-              <a:rPr kumimoji="0" lang="pt-BR" smtClean="0"/>
+              <a:rPr kumimoji="0" lang="pt-BR"/>
               <a:t>Clique para editar o título mestre</a:t>
             </a:r>
             <a:endParaRPr kumimoji="0" lang="en-US"/>
@@ -2310,7 +2327,7 @@
           <a:p>
             <a:fld id="{6B09C886-1C16-40F3-90D5-57C7B102716A}" type="datetimeFigureOut">
               <a:rPr lang="pt-BR" smtClean="0"/>
-              <a:t>08/05/2018</a:t>
+              <a:t>25/05/2018</a:t>
             </a:fld>
             <a:endParaRPr lang="pt-BR"/>
           </a:p>
@@ -2410,7 +2427,7 @@
           <a:p>
             <a:fld id="{6B09C886-1C16-40F3-90D5-57C7B102716A}" type="datetimeFigureOut">
               <a:rPr lang="pt-BR" smtClean="0"/>
-              <a:t>08/05/2018</a:t>
+              <a:t>25/05/2018</a:t>
             </a:fld>
             <a:endParaRPr lang="pt-BR"/>
           </a:p>
@@ -2509,7 +2526,7 @@
           </a:lstStyle>
           <a:p>
             <a:r>
-              <a:rPr kumimoji="0" lang="pt-BR" smtClean="0"/>
+              <a:rPr kumimoji="0" lang="pt-BR"/>
               <a:t>Clique para editar o título mestre</a:t>
             </a:r>
             <a:endParaRPr kumimoji="0" lang="en-US"/>
@@ -2559,7 +2576,7 @@
           <a:p>
             <a:pPr lvl="0" eaLnBrk="1" latinLnBrk="0" hangingPunct="1"/>
             <a:r>
-              <a:rPr kumimoji="0" lang="pt-BR" smtClean="0"/>
+              <a:rPr kumimoji="0" lang="pt-BR"/>
               <a:t>Clique para editar o texto mestre</a:t>
             </a:r>
           </a:p>
@@ -2603,35 +2620,35 @@
           <a:p>
             <a:pPr lvl="0" eaLnBrk="1" latinLnBrk="0" hangingPunct="1"/>
             <a:r>
-              <a:rPr lang="pt-BR" smtClean="0"/>
+              <a:rPr lang="pt-BR"/>
               <a:t>Clique para editar o texto mestre</a:t>
             </a:r>
           </a:p>
           <a:p>
             <a:pPr lvl="1" eaLnBrk="1" latinLnBrk="0" hangingPunct="1"/>
             <a:r>
-              <a:rPr lang="pt-BR" smtClean="0"/>
+              <a:rPr lang="pt-BR"/>
               <a:t>Segundo nível</a:t>
             </a:r>
           </a:p>
           <a:p>
             <a:pPr lvl="2" eaLnBrk="1" latinLnBrk="0" hangingPunct="1"/>
             <a:r>
-              <a:rPr lang="pt-BR" smtClean="0"/>
+              <a:rPr lang="pt-BR"/>
               <a:t>Terceiro nível</a:t>
             </a:r>
           </a:p>
           <a:p>
             <a:pPr lvl="3" eaLnBrk="1" latinLnBrk="0" hangingPunct="1"/>
             <a:r>
-              <a:rPr lang="pt-BR" smtClean="0"/>
+              <a:rPr lang="pt-BR"/>
               <a:t>Quarto nível</a:t>
             </a:r>
           </a:p>
           <a:p>
             <a:pPr lvl="4" eaLnBrk="1" latinLnBrk="0" hangingPunct="1"/>
             <a:r>
-              <a:rPr lang="pt-BR" smtClean="0"/>
+              <a:rPr lang="pt-BR"/>
               <a:t>Quinto nível</a:t>
             </a:r>
             <a:endParaRPr kumimoji="0" lang="en-US"/>
@@ -2655,7 +2672,7 @@
           <a:p>
             <a:fld id="{6B09C886-1C16-40F3-90D5-57C7B102716A}" type="datetimeFigureOut">
               <a:rPr lang="pt-BR" smtClean="0"/>
-              <a:t>08/05/2018</a:t>
+              <a:t>25/05/2018</a:t>
             </a:fld>
             <a:endParaRPr lang="pt-BR"/>
           </a:p>
@@ -2754,7 +2771,7 @@
           </a:lstStyle>
           <a:p>
             <a:r>
-              <a:rPr kumimoji="0" lang="pt-BR" smtClean="0"/>
+              <a:rPr kumimoji="0" lang="pt-BR"/>
               <a:t>Clique para editar o título mestre</a:t>
             </a:r>
             <a:endParaRPr kumimoji="0" lang="en-US"/>
@@ -2815,7 +2832,7 @@
           </a:lstStyle>
           <a:p>
             <a:r>
-              <a:rPr kumimoji="0" lang="pt-BR" smtClean="0"/>
+              <a:rPr kumimoji="0" lang="pt-BR"/>
               <a:t>Clique no ícone para adicionar uma imagem</a:t>
             </a:r>
             <a:endParaRPr kumimoji="0" lang="en-US" dirty="0"/>
@@ -2876,7 +2893,7 @@
           <a:p>
             <a:pPr lvl="0" eaLnBrk="1" latinLnBrk="0" hangingPunct="1"/>
             <a:r>
-              <a:rPr kumimoji="0" lang="pt-BR" smtClean="0"/>
+              <a:rPr kumimoji="0" lang="pt-BR"/>
               <a:t>Clique para editar o texto mestre</a:t>
             </a:r>
           </a:p>
@@ -2899,7 +2916,7 @@
           <a:p>
             <a:fld id="{6B09C886-1C16-40F3-90D5-57C7B102716A}" type="datetimeFigureOut">
               <a:rPr lang="pt-BR" smtClean="0"/>
-              <a:t>08/05/2018</a:t>
+              <a:t>25/05/2018</a:t>
             </a:fld>
             <a:endParaRPr lang="pt-BR"/>
           </a:p>
@@ -3621,7 +3638,7 @@
           <a:lstStyle/>
           <a:p>
             <a:r>
-              <a:rPr kumimoji="0" lang="pt-BR" smtClean="0"/>
+              <a:rPr kumimoji="0" lang="pt-BR"/>
               <a:t>Clique para editar o título mestre</a:t>
             </a:r>
             <a:endParaRPr kumimoji="0" lang="en-US"/>
@@ -3655,35 +3672,35 @@
           <a:p>
             <a:pPr lvl="0" eaLnBrk="1" latinLnBrk="0" hangingPunct="1"/>
             <a:r>
-              <a:rPr kumimoji="0" lang="pt-BR" smtClean="0"/>
+              <a:rPr kumimoji="0" lang="pt-BR"/>
               <a:t>Clique para editar o texto mestre</a:t>
             </a:r>
           </a:p>
           <a:p>
             <a:pPr lvl="1" eaLnBrk="1" latinLnBrk="0" hangingPunct="1"/>
             <a:r>
-              <a:rPr kumimoji="0" lang="pt-BR" smtClean="0"/>
+              <a:rPr kumimoji="0" lang="pt-BR"/>
               <a:t>Segundo nível</a:t>
             </a:r>
           </a:p>
           <a:p>
             <a:pPr lvl="2" eaLnBrk="1" latinLnBrk="0" hangingPunct="1"/>
             <a:r>
-              <a:rPr kumimoji="0" lang="pt-BR" smtClean="0"/>
+              <a:rPr kumimoji="0" lang="pt-BR"/>
               <a:t>Terceiro nível</a:t>
             </a:r>
           </a:p>
           <a:p>
             <a:pPr lvl="3" eaLnBrk="1" latinLnBrk="0" hangingPunct="1"/>
             <a:r>
-              <a:rPr kumimoji="0" lang="pt-BR" smtClean="0"/>
+              <a:rPr kumimoji="0" lang="pt-BR"/>
               <a:t>Quarto nível</a:t>
             </a:r>
           </a:p>
           <a:p>
             <a:pPr lvl="4" eaLnBrk="1" latinLnBrk="0" hangingPunct="1"/>
             <a:r>
-              <a:rPr kumimoji="0" lang="pt-BR" smtClean="0"/>
+              <a:rPr kumimoji="0" lang="pt-BR"/>
               <a:t>Quinto nível</a:t>
             </a:r>
             <a:endParaRPr kumimoji="0" lang="en-US"/>
@@ -3723,7 +3740,7 @@
           <a:p>
             <a:fld id="{6B09C886-1C16-40F3-90D5-57C7B102716A}" type="datetimeFigureOut">
               <a:rPr lang="pt-BR" smtClean="0"/>
-              <a:t>08/05/2018</a:t>
+              <a:t>25/05/2018</a:t>
             </a:fld>
             <a:endParaRPr lang="pt-BR"/>
           </a:p>
@@ -4136,10 +4153,9 @@
           <a:lstStyle/>
           <a:p>
             <a:r>
-              <a:rPr lang="pt-BR" b="1" dirty="0" smtClean="0"/>
+              <a:rPr lang="pt-BR" b="1" dirty="0"/>
               <a:t>III Jornada de Iniciação Científica e Tecnológica –FATEC Garça</a:t>
             </a:r>
-            <a:endParaRPr lang="pt-BR" b="1" dirty="0"/>
           </a:p>
         </p:txBody>
       </p:sp>
@@ -4160,22 +4176,18 @@
           <a:p>
             <a:r>
               <a:rPr lang="pt-BR" dirty="0"/>
-              <a:t>Título do Trabalho</a:t>
+              <a:t>Sistema para controle de estoque</a:t>
             </a:r>
           </a:p>
           <a:p>
             <a:pPr algn="ctr"/>
-            <a:endParaRPr lang="pt-BR" sz="1600" i="1" dirty="0" smtClean="0"/>
+            <a:endParaRPr lang="pt-BR" sz="1600" i="1" dirty="0"/>
           </a:p>
           <a:p>
             <a:pPr algn="ctr"/>
             <a:r>
-              <a:rPr lang="pt-BR" sz="1600" i="1" dirty="0" smtClean="0"/>
-              <a:t>Nome </a:t>
-            </a:r>
-            <a:r>
               <a:rPr lang="pt-BR" sz="1600" i="1" dirty="0"/>
-              <a:t>completo dos autores</a:t>
+              <a:t>Rodrigo Garcia Cardoso</a:t>
             </a:r>
           </a:p>
           <a:p>
@@ -4301,16 +4313,12 @@
           </a:lstStyle>
           <a:p>
             <a:r>
-              <a:rPr lang="pt-BR" b="1" dirty="0" smtClean="0">
+              <a:rPr lang="pt-BR" b="1" dirty="0">
                 <a:latin typeface="Arial" pitchFamily="34" charset="0"/>
                 <a:cs typeface="Arial" pitchFamily="34" charset="0"/>
               </a:rPr>
               <a:t>28, 29 e 30 de Maio de 2018</a:t>
             </a:r>
-            <a:endParaRPr lang="pt-BR" b="1" dirty="0">
-              <a:latin typeface="Arial" pitchFamily="34" charset="0"/>
-              <a:cs typeface="Arial" pitchFamily="34" charset="0"/>
-            </a:endParaRPr>
           </a:p>
         </p:txBody>
       </p:sp>
@@ -4477,10 +4485,9 @@
           <a:lstStyle/>
           <a:p>
             <a:r>
-              <a:rPr lang="pt-BR" b="1" dirty="0" smtClean="0"/>
+              <a:rPr lang="pt-BR" b="1" dirty="0"/>
               <a:t>Contextualização</a:t>
             </a:r>
-            <a:endParaRPr lang="pt-BR" b="1" dirty="0"/>
           </a:p>
         </p:txBody>
       </p:sp>
@@ -4506,10 +4513,19 @@
           <a:p>
             <a:r>
               <a:rPr lang="pt-BR" dirty="0"/>
-              <a:t>[apresentar o contexto/área que está inserido o trabalho]</a:t>
-            </a:r>
-          </a:p>
-          <a:p>
+              <a:t>Shopping MF Rural, E-commerce.</a:t>
+            </a:r>
+          </a:p>
+          <a:p>
+            <a:r>
+              <a:rPr lang="pt-BR" dirty="0"/>
+              <a:t>Pertence ao Grupo MF Rural.</a:t>
+            </a:r>
+          </a:p>
+          <a:p>
+            <a:pPr marL="109728" indent="0">
+              <a:buNone/>
+            </a:pPr>
             <a:endParaRPr lang="pt-BR" dirty="0"/>
           </a:p>
         </p:txBody>
@@ -4564,7 +4580,7 @@
           <a:p>
             <a:pPr algn="r"/>
             <a:r>
-              <a:rPr lang="pt-BR" sz="1600" b="1" dirty="0" smtClean="0">
+              <a:rPr lang="pt-BR" sz="1600" b="1" dirty="0">
                 <a:solidFill>
                   <a:schemeClr val="tx1">
                     <a:lumMod val="65000"/>
@@ -4572,27 +4588,8 @@
                   </a:schemeClr>
                 </a:solidFill>
               </a:rPr>
-              <a:t>III</a:t>
-            </a:r>
-            <a:r>
-              <a:rPr lang="pt-BR" sz="1600" b="1" dirty="0" smtClean="0">
-                <a:solidFill>
-                  <a:schemeClr val="tx1">
-                    <a:lumMod val="65000"/>
-                    <a:lumOff val="35000"/>
-                  </a:schemeClr>
-                </a:solidFill>
-              </a:rPr>
-              <a:t> Jornada de Iniciação Científica e Tecnológica – FATEC Garça</a:t>
-            </a:r>
-            <a:endParaRPr lang="pt-BR" sz="1600" b="1" dirty="0">
-              <a:solidFill>
-                <a:schemeClr val="tx1">
-                  <a:lumMod val="65000"/>
-                  <a:lumOff val="35000"/>
-                </a:schemeClr>
-              </a:solidFill>
-            </a:endParaRPr>
+              <a:t>III Jornada de Iniciação Científica e Tecnológica – FATEC Garça</a:t>
+            </a:r>
           </a:p>
         </p:txBody>
       </p:sp>
@@ -4676,10 +4673,9 @@
           <a:lstStyle/>
           <a:p>
             <a:r>
-              <a:rPr lang="pt-BR" b="1" dirty="0" smtClean="0"/>
+              <a:rPr lang="pt-BR" b="1" dirty="0"/>
               <a:t>Problemática</a:t>
             </a:r>
-            <a:endParaRPr lang="pt-BR" b="1" dirty="0"/>
           </a:p>
         </p:txBody>
       </p:sp>
@@ -4704,18 +4700,21 @@
           <a:lstStyle/>
           <a:p>
             <a:r>
-              <a:rPr lang="pt-BR" dirty="0" smtClean="0"/>
-              <a:t>[</a:t>
-            </a:r>
-            <a:r>
               <a:rPr lang="pt-BR" dirty="0"/>
-              <a:t>apresentar problema que norteou a elaboração do trabalho/pesquisa</a:t>
-            </a:r>
-            <a:r>
-              <a:rPr lang="pt-BR" dirty="0" smtClean="0"/>
-              <a:t>]</a:t>
-            </a:r>
-            <a:endParaRPr lang="pt-BR" dirty="0"/>
+              <a:t>12% das mercadorias que constam no sistema de estoque atual já foram vendidas</a:t>
+            </a:r>
+          </a:p>
+          <a:p>
+            <a:r>
+              <a:rPr lang="pt-BR" dirty="0"/>
+              <a:t>Sem controle sobre os preços médios de vendas</a:t>
+            </a:r>
+          </a:p>
+          <a:p>
+            <a:r>
+              <a:rPr lang="pt-BR" dirty="0"/>
+              <a:t>Não possui uma saída de produtos</a:t>
+            </a:r>
           </a:p>
           <a:p>
             <a:endParaRPr lang="pt-BR" dirty="0"/>
@@ -4772,7 +4771,7 @@
           <a:p>
             <a:pPr algn="r"/>
             <a:r>
-              <a:rPr lang="pt-BR" dirty="0" smtClean="0">
+              <a:rPr lang="pt-BR" dirty="0">
                 <a:solidFill>
                   <a:schemeClr val="tx1">
                     <a:lumMod val="65000"/>
@@ -4782,14 +4781,6 @@
               </a:rPr>
               <a:t>III Jornada de Iniciação Científica e Tecnológica – FATEC Garça</a:t>
             </a:r>
-            <a:endParaRPr lang="pt-BR" dirty="0">
-              <a:solidFill>
-                <a:schemeClr val="tx1">
-                  <a:lumMod val="65000"/>
-                  <a:lumOff val="35000"/>
-                </a:schemeClr>
-              </a:solidFill>
-            </a:endParaRPr>
           </a:p>
         </p:txBody>
       </p:sp>
@@ -4844,10 +4835,9 @@
           <a:lstStyle/>
           <a:p>
             <a:r>
-              <a:rPr lang="pt-BR" b="1" dirty="0" smtClean="0"/>
+              <a:rPr lang="pt-BR" b="1" dirty="0"/>
               <a:t>Objetivos</a:t>
             </a:r>
-            <a:endParaRPr lang="pt-BR" b="1" dirty="0"/>
           </a:p>
         </p:txBody>
       </p:sp>
@@ -4872,18 +4862,33 @@
           <a:lstStyle/>
           <a:p>
             <a:r>
-              <a:rPr lang="pt-BR" dirty="0" smtClean="0"/>
-              <a:t>[</a:t>
-            </a:r>
-            <a:r>
               <a:rPr lang="pt-BR" dirty="0"/>
-              <a:t>delimitar o objeto de trabalho relacionado com o PROBLEMA motivador da pesquisa</a:t>
-            </a:r>
-            <a:r>
-              <a:rPr lang="pt-BR" dirty="0" smtClean="0"/>
-              <a:t>]</a:t>
-            </a:r>
-            <a:endParaRPr lang="pt-BR" dirty="0"/>
+              <a:t>Efetuar a entrada de novos produtos</a:t>
+            </a:r>
+          </a:p>
+          <a:p>
+            <a:r>
+              <a:rPr lang="pt-BR" dirty="0"/>
+              <a:t>Dar baixas em produtos vendidos</a:t>
+            </a:r>
+          </a:p>
+          <a:p>
+            <a:r>
+              <a:rPr lang="pt-BR" dirty="0"/>
+              <a:t>Registrar produtos perdidos ou danificados</a:t>
+            </a:r>
+          </a:p>
+          <a:p>
+            <a:r>
+              <a:rPr lang="pt-BR" dirty="0"/>
+              <a:t>Relatórios de vendas, total de produtos armazenados, valor do estoque atual, tempo médio de cada produto no estoque</a:t>
+            </a:r>
+          </a:p>
+          <a:p>
+            <a:r>
+              <a:rPr lang="pt-BR" dirty="0"/>
+              <a:t>Controlar o envio do produto ao cliente</a:t>
+            </a:r>
           </a:p>
           <a:p>
             <a:endParaRPr lang="pt-BR" dirty="0"/>
@@ -4940,7 +4945,7 @@
           <a:p>
             <a:pPr algn="r"/>
             <a:r>
-              <a:rPr lang="pt-BR" dirty="0" smtClean="0">
+              <a:rPr lang="pt-BR" dirty="0">
                 <a:solidFill>
                   <a:schemeClr val="tx1">
                     <a:lumMod val="65000"/>
@@ -4950,14 +4955,6 @@
               </a:rPr>
               <a:t>III Jornada de Iniciação Científica e Tecnológica – FATEC Garça</a:t>
             </a:r>
-            <a:endParaRPr lang="pt-BR" dirty="0">
-              <a:solidFill>
-                <a:schemeClr val="tx1">
-                  <a:lumMod val="65000"/>
-                  <a:lumOff val="35000"/>
-                </a:schemeClr>
-              </a:solidFill>
-            </a:endParaRPr>
           </a:p>
         </p:txBody>
       </p:sp>
@@ -5012,10 +5009,9 @@
           <a:lstStyle/>
           <a:p>
             <a:r>
-              <a:rPr lang="pt-BR" b="1" dirty="0" smtClean="0"/>
+              <a:rPr lang="pt-BR" b="1" dirty="0"/>
               <a:t>Metodologia</a:t>
             </a:r>
-            <a:endParaRPr lang="pt-BR" b="1" dirty="0"/>
           </a:p>
         </p:txBody>
       </p:sp>
@@ -5040,21 +5036,15 @@
           <a:lstStyle/>
           <a:p>
             <a:r>
-              <a:rPr lang="pt-BR" dirty="0" smtClean="0"/>
-              <a:t>[</a:t>
-            </a:r>
-            <a:r>
               <a:rPr lang="pt-BR" dirty="0"/>
-              <a:t>apresentar as etapas e/ou procedimentos para atingir o OBJETIVO</a:t>
-            </a:r>
-            <a:r>
-              <a:rPr lang="pt-BR" dirty="0" smtClean="0"/>
-              <a:t>]</a:t>
-            </a:r>
-            <a:endParaRPr lang="pt-BR" dirty="0"/>
-          </a:p>
-          <a:p>
-            <a:endParaRPr lang="pt-BR" dirty="0"/>
+              <a:t>Análise de requisitos</a:t>
+            </a:r>
+          </a:p>
+          <a:p>
+            <a:r>
+              <a:rPr lang="pt-BR" dirty="0"/>
+              <a:t>Diagrama de caso de uso</a:t>
+            </a:r>
           </a:p>
         </p:txBody>
       </p:sp>
@@ -5108,7 +5098,7 @@
           <a:p>
             <a:pPr algn="r"/>
             <a:r>
-              <a:rPr lang="pt-BR" dirty="0" smtClean="0">
+              <a:rPr lang="pt-BR" dirty="0">
                 <a:solidFill>
                   <a:schemeClr val="tx1">
                     <a:lumMod val="65000"/>
@@ -5118,17 +5108,45 @@
               </a:rPr>
               <a:t>III Jornada de Iniciação Científica e Tecnológica – FATEC Garça</a:t>
             </a:r>
-            <a:endParaRPr lang="pt-BR" dirty="0">
-              <a:solidFill>
-                <a:schemeClr val="tx1">
-                  <a:lumMod val="65000"/>
-                  <a:lumOff val="35000"/>
-                </a:schemeClr>
-              </a:solidFill>
-            </a:endParaRPr>
-          </a:p>
-        </p:txBody>
-      </p:sp>
+          </a:p>
+        </p:txBody>
+      </p:sp>
+      <p:pic>
+        <p:nvPicPr>
+          <p:cNvPr id="6" name="Imagem 5">
+            <a:extLst>
+              <a:ext uri="{FF2B5EF4-FFF2-40B4-BE49-F238E27FC236}">
+                <a16:creationId xmlns:a16="http://schemas.microsoft.com/office/drawing/2014/main" id="{8B02DEA5-9E0A-4DA0-A645-41406050D9A9}"/>
+              </a:ext>
+            </a:extLst>
+          </p:cNvPr>
+          <p:cNvPicPr>
+            <a:picLocks noChangeAspect="1"/>
+          </p:cNvPicPr>
+          <p:nvPr/>
+        </p:nvPicPr>
+        <p:blipFill>
+          <a:blip r:embed="rId2">
+            <a:extLst>
+              <a:ext uri="{28A0092B-C50C-407E-A947-70E740481C1C}">
+                <a14:useLocalDpi xmlns:a14="http://schemas.microsoft.com/office/drawing/2010/main" val="0"/>
+              </a:ext>
+            </a:extLst>
+          </a:blip>
+          <a:stretch>
+            <a:fillRect/>
+          </a:stretch>
+        </p:blipFill>
+        <p:spPr>
+          <a:xfrm>
+            <a:off x="460191" y="2636912"/>
+            <a:ext cx="6048671" cy="3719124"/>
+          </a:xfrm>
+          <a:prstGeom prst="rect">
+            <a:avLst/>
+          </a:prstGeom>
+        </p:spPr>
+      </p:pic>
     </p:spTree>
     <p:extLst>
       <p:ext uri="{BB962C8B-B14F-4D97-AF65-F5344CB8AC3E}">
@@ -5180,10 +5198,9 @@
           <a:lstStyle/>
           <a:p>
             <a:r>
-              <a:rPr lang="pt-BR" b="1" dirty="0" smtClean="0"/>
-              <a:t>Resultados e Discussões</a:t>
-            </a:r>
-            <a:endParaRPr lang="pt-BR" b="1" dirty="0"/>
+              <a:rPr lang="pt-BR" b="1" dirty="0"/>
+              <a:t>Metodologia</a:t>
+            </a:r>
           </a:p>
         </p:txBody>
       </p:sp>
@@ -5208,21 +5225,21 @@
           <a:lstStyle/>
           <a:p>
             <a:r>
-              <a:rPr lang="pt-BR" dirty="0" smtClean="0"/>
-              <a:t>[</a:t>
-            </a:r>
-            <a:r>
               <a:rPr lang="pt-BR" dirty="0"/>
-              <a:t>apresentar resultados ESPERADOS, PARCIAIS ou FINAIS, conforme  o estágio que se encontra o projeto</a:t>
-            </a:r>
-            <a:r>
-              <a:rPr lang="pt-BR" dirty="0" smtClean="0"/>
-              <a:t>]</a:t>
-            </a:r>
-            <a:endParaRPr lang="pt-BR" dirty="0"/>
-          </a:p>
-          <a:p>
-            <a:endParaRPr lang="pt-BR" dirty="0"/>
+              <a:t>Modelo relacional do banco de dados</a:t>
+            </a:r>
+          </a:p>
+          <a:p>
+            <a:r>
+              <a:rPr lang="pt-BR" dirty="0"/>
+              <a:t>Implementação</a:t>
+            </a:r>
+          </a:p>
+          <a:p>
+            <a:r>
+              <a:rPr lang="pt-BR" dirty="0"/>
+              <a:t>Testes</a:t>
+            </a:r>
           </a:p>
         </p:txBody>
       </p:sp>
@@ -5234,7 +5251,7 @@
         </p:nvSpPr>
         <p:spPr>
           <a:xfrm>
-            <a:off x="3495" y="6415790"/>
+            <a:off x="0" y="6415790"/>
             <a:ext cx="9144000" cy="442210"/>
           </a:xfrm>
           <a:prstGeom prst="rect">
@@ -5276,7 +5293,7 @@
           <a:p>
             <a:pPr algn="r"/>
             <a:r>
-              <a:rPr lang="pt-BR" dirty="0" smtClean="0">
+              <a:rPr lang="pt-BR" dirty="0">
                 <a:solidFill>
                   <a:schemeClr val="tx1">
                     <a:lumMod val="65000"/>
@@ -5286,21 +5303,13 @@
               </a:rPr>
               <a:t>III Jornada de Iniciação Científica e Tecnológica – FATEC Garça</a:t>
             </a:r>
-            <a:endParaRPr lang="pt-BR" dirty="0">
-              <a:solidFill>
-                <a:schemeClr val="tx1">
-                  <a:lumMod val="65000"/>
-                  <a:lumOff val="35000"/>
-                </a:schemeClr>
-              </a:solidFill>
-            </a:endParaRPr>
           </a:p>
         </p:txBody>
       </p:sp>
     </p:spTree>
     <p:extLst>
       <p:ext uri="{BB962C8B-B14F-4D97-AF65-F5344CB8AC3E}">
-        <p14:creationId xmlns:p14="http://schemas.microsoft.com/office/powerpoint/2010/main" val="2168527363"/>
+        <p14:creationId xmlns:p14="http://schemas.microsoft.com/office/powerpoint/2010/main" val="357098070"/>
       </p:ext>
     </p:extLst>
   </p:cSld>
@@ -5348,10 +5357,9 @@
           <a:lstStyle/>
           <a:p>
             <a:r>
-              <a:rPr lang="pt-BR" b="1" dirty="0" smtClean="0"/>
-              <a:t>Referências </a:t>
-            </a:r>
-            <a:endParaRPr lang="pt-BR" b="1" dirty="0"/>
+              <a:rPr lang="pt-BR" b="1" dirty="0"/>
+              <a:t>Resultados e Discussões</a:t>
+            </a:r>
           </a:p>
         </p:txBody>
       </p:sp>
@@ -5376,21 +5384,9 @@
           <a:lstStyle/>
           <a:p>
             <a:r>
-              <a:rPr lang="pt-BR" dirty="0" smtClean="0"/>
-              <a:t>[</a:t>
-            </a:r>
-            <a:r>
               <a:rPr lang="pt-BR" dirty="0"/>
-              <a:t>apresentar </a:t>
-            </a:r>
-            <a:r>
-              <a:rPr lang="pt-BR" dirty="0" smtClean="0"/>
-              <a:t>as principais referências do seu trabalho]</a:t>
-            </a:r>
-            <a:endParaRPr lang="pt-BR" dirty="0"/>
-          </a:p>
-          <a:p>
-            <a:endParaRPr lang="pt-BR" dirty="0"/>
+              <a:t>Sistema que possibilite: fácil acesso, fácil utilização e consistência nas informações.</a:t>
+            </a:r>
           </a:p>
         </p:txBody>
       </p:sp>
@@ -5444,7 +5440,7 @@
           <a:p>
             <a:pPr algn="r"/>
             <a:r>
-              <a:rPr lang="pt-BR" dirty="0" smtClean="0">
+              <a:rPr lang="pt-BR" dirty="0">
                 <a:solidFill>
                   <a:schemeClr val="tx1">
                     <a:lumMod val="65000"/>
@@ -5454,21 +5450,13 @@
               </a:rPr>
               <a:t>III Jornada de Iniciação Científica e Tecnológica – FATEC Garça</a:t>
             </a:r>
-            <a:endParaRPr lang="pt-BR" dirty="0">
-              <a:solidFill>
-                <a:schemeClr val="tx1">
-                  <a:lumMod val="65000"/>
-                  <a:lumOff val="35000"/>
-                </a:schemeClr>
-              </a:solidFill>
-            </a:endParaRPr>
           </a:p>
         </p:txBody>
       </p:sp>
     </p:spTree>
     <p:extLst>
       <p:ext uri="{BB962C8B-B14F-4D97-AF65-F5344CB8AC3E}">
-        <p14:creationId xmlns:p14="http://schemas.microsoft.com/office/powerpoint/2010/main" val="3869930687"/>
+        <p14:creationId xmlns:p14="http://schemas.microsoft.com/office/powerpoint/2010/main" val="2168527363"/>
       </p:ext>
     </p:extLst>
   </p:cSld>
@@ -5502,6 +5490,195 @@
             <a:spLocks noGrp="1"/>
           </p:cNvSpPr>
           <p:nvPr>
+            <p:ph type="title"/>
+          </p:nvPr>
+        </p:nvSpPr>
+        <p:spPr>
+          <a:xfrm>
+            <a:off x="457200" y="764704"/>
+            <a:ext cx="8229600" cy="1066800"/>
+          </a:xfrm>
+        </p:spPr>
+        <p:txBody>
+          <a:bodyPr/>
+          <a:lstStyle/>
+          <a:p>
+            <a:r>
+              <a:rPr lang="pt-BR" b="1" dirty="0"/>
+              <a:t>Referências </a:t>
+            </a:r>
+          </a:p>
+        </p:txBody>
+      </p:sp>
+      <p:sp>
+        <p:nvSpPr>
+          <p:cNvPr id="3" name="Espaço Reservado para Conteúdo 2"/>
+          <p:cNvSpPr>
+            <a:spLocks noGrp="1"/>
+          </p:cNvSpPr>
+          <p:nvPr>
+            <p:ph idx="1"/>
+          </p:nvPr>
+        </p:nvSpPr>
+        <p:spPr>
+          <a:xfrm>
+            <a:off x="457200" y="1700808"/>
+            <a:ext cx="8229600" cy="4325112"/>
+          </a:xfrm>
+        </p:spPr>
+        <p:txBody>
+          <a:bodyPr>
+            <a:normAutofit fontScale="85000" lnSpcReduction="10000"/>
+          </a:bodyPr>
+          <a:lstStyle/>
+          <a:p>
+            <a:r>
+              <a:rPr lang="pt-BR" dirty="0"/>
+              <a:t>LAUDON, K.; LAUDON, J. Sistemas de Informação Gerenciais. 5a. ed. São Paulo: Pearson, 2004.</a:t>
+            </a:r>
+          </a:p>
+          <a:p>
+            <a:r>
+              <a:rPr lang="pt-BR" dirty="0"/>
+              <a:t> LAUDON, Kenneth; LAUDON, Jane. Sistemas de informações gerenciais. 9ª. ed. São Paulo: Pearson Prentice Hall, 2010.</a:t>
+            </a:r>
+          </a:p>
+          <a:p>
+            <a:r>
+              <a:rPr lang="pt-BR" dirty="0"/>
+              <a:t> DIAS, M. A. P. Administração de materiais: uma abordagem logística. 5. ed. São Paulo: Atlas, 2010.</a:t>
+            </a:r>
+          </a:p>
+          <a:p>
+            <a:r>
+              <a:rPr lang="pt-BR" dirty="0"/>
+              <a:t> CHING, H. Y. Gestão de estoque na cadeia logística integrada: </a:t>
+            </a:r>
+            <a:r>
+              <a:rPr lang="pt-BR" dirty="0" err="1"/>
+              <a:t>Supply</a:t>
+            </a:r>
+            <a:r>
+              <a:rPr lang="pt-BR" dirty="0"/>
+              <a:t> </a:t>
+            </a:r>
+            <a:r>
+              <a:rPr lang="pt-BR" dirty="0" err="1"/>
+              <a:t>chain</a:t>
+            </a:r>
+            <a:r>
+              <a:rPr lang="pt-BR" dirty="0"/>
+              <a:t>. São Paulo: Atlas, 1999. 196p. </a:t>
+            </a:r>
+          </a:p>
+          <a:p>
+            <a:r>
+              <a:rPr lang="pt-BR" dirty="0"/>
+              <a:t>OLIVEIRA, Djalma de Pinho Rebouças. Planejamento Estratégico: Conceitos, Metodologia, Práticas. 15ª Edição, São Paulo: Editora Atlas, 2001.</a:t>
+            </a:r>
+          </a:p>
+        </p:txBody>
+      </p:sp>
+      <p:sp>
+        <p:nvSpPr>
+          <p:cNvPr id="4" name="Retângulo 3"/>
+          <p:cNvSpPr/>
+          <p:nvPr/>
+        </p:nvSpPr>
+        <p:spPr>
+          <a:xfrm>
+            <a:off x="3495" y="6415790"/>
+            <a:ext cx="9144000" cy="442210"/>
+          </a:xfrm>
+          <a:prstGeom prst="rect">
+            <a:avLst/>
+          </a:prstGeom>
+          <a:solidFill>
+            <a:schemeClr val="accent2">
+              <a:lumMod val="60000"/>
+              <a:lumOff val="40000"/>
+            </a:schemeClr>
+          </a:solidFill>
+          <a:ln>
+            <a:solidFill>
+              <a:schemeClr val="accent2">
+                <a:lumMod val="75000"/>
+              </a:schemeClr>
+            </a:solidFill>
+          </a:ln>
+        </p:spPr>
+        <p:style>
+          <a:lnRef idx="2">
+            <a:schemeClr val="accent1">
+              <a:shade val="50000"/>
+            </a:schemeClr>
+          </a:lnRef>
+          <a:fillRef idx="1">
+            <a:schemeClr val="accent1"/>
+          </a:fillRef>
+          <a:effectRef idx="0">
+            <a:schemeClr val="accent1"/>
+          </a:effectRef>
+          <a:fontRef idx="minor">
+            <a:schemeClr val="lt1"/>
+          </a:fontRef>
+        </p:style>
+        <p:txBody>
+          <a:bodyPr rtlCol="0" anchor="ctr"/>
+          <a:lstStyle/>
+          <a:p>
+            <a:pPr algn="r"/>
+            <a:r>
+              <a:rPr lang="pt-BR" dirty="0">
+                <a:solidFill>
+                  <a:schemeClr val="tx1">
+                    <a:lumMod val="65000"/>
+                    <a:lumOff val="35000"/>
+                  </a:schemeClr>
+                </a:solidFill>
+              </a:rPr>
+              <a:t>III Jornada de Iniciação Científica e Tecnológica – FATEC Garça</a:t>
+            </a:r>
+          </a:p>
+        </p:txBody>
+      </p:sp>
+    </p:spTree>
+    <p:extLst>
+      <p:ext uri="{BB962C8B-B14F-4D97-AF65-F5344CB8AC3E}">
+        <p14:creationId xmlns:p14="http://schemas.microsoft.com/office/powerpoint/2010/main" val="3869930687"/>
+      </p:ext>
+    </p:extLst>
+  </p:cSld>
+  <p:clrMapOvr>
+    <a:masterClrMapping/>
+  </p:clrMapOvr>
+</p:sld>
+</file>
+
+<file path=ppt/slides/slide9.xml><?xml version="1.0" encoding="utf-8"?>
+<p:sld xmlns:a="http://schemas.openxmlformats.org/drawingml/2006/main" xmlns:r="http://schemas.openxmlformats.org/officeDocument/2006/relationships" xmlns:p="http://schemas.openxmlformats.org/presentationml/2006/main">
+  <p:cSld>
+    <p:spTree>
+      <p:nvGrpSpPr>
+        <p:cNvPr id="1" name=""/>
+        <p:cNvGrpSpPr/>
+        <p:nvPr/>
+      </p:nvGrpSpPr>
+      <p:grpSpPr>
+        <a:xfrm>
+          <a:off x="0" y="0"/>
+          <a:ext cx="0" cy="0"/>
+          <a:chOff x="0" y="0"/>
+          <a:chExt cx="0" cy="0"/>
+        </a:xfrm>
+      </p:grpSpPr>
+      <p:sp>
+        <p:nvSpPr>
+          <p:cNvPr id="2" name="Título 1"/>
+          <p:cNvSpPr>
+            <a:spLocks noGrp="1"/>
+          </p:cNvSpPr>
+          <p:nvPr>
             <p:ph type="ctrTitle"/>
           </p:nvPr>
         </p:nvSpPr>
@@ -5518,10 +5695,9 @@
           <a:lstStyle/>
           <a:p>
             <a:r>
-              <a:rPr lang="pt-BR" b="1" dirty="0" smtClean="0"/>
+              <a:rPr lang="pt-BR" b="1" dirty="0"/>
               <a:t>III Jornada de Iniciação Científica e Tecnológica –FATEC Garça</a:t>
             </a:r>
-            <a:endParaRPr lang="pt-BR" b="1" dirty="0"/>
           </a:p>
         </p:txBody>
       </p:sp>
@@ -5542,22 +5718,18 @@
           <a:p>
             <a:r>
               <a:rPr lang="pt-BR" dirty="0"/>
-              <a:t>Título do Trabalho</a:t>
+              <a:t>Sistema para controle de estoque	</a:t>
             </a:r>
           </a:p>
           <a:p>
             <a:pPr algn="ctr"/>
-            <a:endParaRPr lang="pt-BR" sz="1600" i="1" dirty="0" smtClean="0"/>
+            <a:endParaRPr lang="pt-BR" sz="1600" i="1" dirty="0"/>
           </a:p>
           <a:p>
             <a:pPr algn="ctr"/>
             <a:r>
-              <a:rPr lang="pt-BR" sz="1600" i="1" dirty="0" smtClean="0"/>
-              <a:t>Nome </a:t>
-            </a:r>
-            <a:r>
               <a:rPr lang="pt-BR" sz="1600" i="1" dirty="0"/>
-              <a:t>completo dos autores</a:t>
+              <a:t>Rodrigo Garcia Cardoso</a:t>
             </a:r>
           </a:p>
           <a:p>
@@ -5683,16 +5855,12 @@
           </a:lstStyle>
           <a:p>
             <a:r>
-              <a:rPr lang="pt-BR" b="1" dirty="0" smtClean="0">
+              <a:rPr lang="pt-BR" b="1" dirty="0">
                 <a:latin typeface="Arial" pitchFamily="34" charset="0"/>
                 <a:cs typeface="Arial" pitchFamily="34" charset="0"/>
               </a:rPr>
               <a:t>28, 29 e 30 de Maio de 2018</a:t>
             </a:r>
-            <a:endParaRPr lang="pt-BR" b="1" dirty="0">
-              <a:latin typeface="Arial" pitchFamily="34" charset="0"/>
-              <a:cs typeface="Arial" pitchFamily="34" charset="0"/>
-            </a:endParaRPr>
           </a:p>
         </p:txBody>
       </p:sp>

--- a/TCC/III Jornada de Iniciação Científica e Tecnológica Tempate–2018.pptx
+++ b/TCC/III Jornada de Iniciação Científica e Tecnológica Tempate–2018.pptx
@@ -789,7 +789,7 @@
           <a:p>
             <a:fld id="{6B09C886-1C16-40F3-90D5-57C7B102716A}" type="datetimeFigureOut">
               <a:rPr lang="pt-BR" smtClean="0"/>
-              <a:t>25/05/2018</a:t>
+              <a:t>26/05/2018</a:t>
             </a:fld>
             <a:endParaRPr lang="pt-BR"/>
           </a:p>
@@ -972,7 +972,7 @@
           <a:p>
             <a:fld id="{6B09C886-1C16-40F3-90D5-57C7B102716A}" type="datetimeFigureOut">
               <a:rPr lang="pt-BR" smtClean="0"/>
-              <a:t>25/05/2018</a:t>
+              <a:t>26/05/2018</a:t>
             </a:fld>
             <a:endParaRPr lang="pt-BR"/>
           </a:p>
@@ -1147,7 +1147,7 @@
           <a:p>
             <a:fld id="{6B09C886-1C16-40F3-90D5-57C7B102716A}" type="datetimeFigureOut">
               <a:rPr lang="pt-BR" smtClean="0"/>
-              <a:t>25/05/2018</a:t>
+              <a:t>26/05/2018</a:t>
             </a:fld>
             <a:endParaRPr lang="pt-BR"/>
           </a:p>
@@ -1312,7 +1312,7 @@
           <a:p>
             <a:fld id="{6B09C886-1C16-40F3-90D5-57C7B102716A}" type="datetimeFigureOut">
               <a:rPr lang="pt-BR" smtClean="0"/>
-              <a:t>25/05/2018</a:t>
+              <a:t>26/05/2018</a:t>
             </a:fld>
             <a:endParaRPr lang="pt-BR"/>
           </a:p>
@@ -1533,7 +1533,7 @@
           <a:p>
             <a:fld id="{6B09C886-1C16-40F3-90D5-57C7B102716A}" type="datetimeFigureOut">
               <a:rPr lang="pt-BR" smtClean="0"/>
-              <a:t>25/05/2018</a:t>
+              <a:t>26/05/2018</a:t>
             </a:fld>
             <a:endParaRPr lang="pt-BR"/>
           </a:p>
@@ -1792,7 +1792,7 @@
           <a:p>
             <a:fld id="{6B09C886-1C16-40F3-90D5-57C7B102716A}" type="datetimeFigureOut">
               <a:rPr lang="pt-BR" smtClean="0"/>
-              <a:t>25/05/2018</a:t>
+              <a:t>26/05/2018</a:t>
             </a:fld>
             <a:endParaRPr lang="pt-BR"/>
           </a:p>
@@ -2196,7 +2196,7 @@
           <a:p>
             <a:fld id="{6B09C886-1C16-40F3-90D5-57C7B102716A}" type="datetimeFigureOut">
               <a:rPr lang="pt-BR" smtClean="0"/>
-              <a:t>25/05/2018</a:t>
+              <a:t>26/05/2018</a:t>
             </a:fld>
             <a:endParaRPr lang="pt-BR"/>
           </a:p>
@@ -2327,7 +2327,7 @@
           <a:p>
             <a:fld id="{6B09C886-1C16-40F3-90D5-57C7B102716A}" type="datetimeFigureOut">
               <a:rPr lang="pt-BR" smtClean="0"/>
-              <a:t>25/05/2018</a:t>
+              <a:t>26/05/2018</a:t>
             </a:fld>
             <a:endParaRPr lang="pt-BR"/>
           </a:p>
@@ -2427,7 +2427,7 @@
           <a:p>
             <a:fld id="{6B09C886-1C16-40F3-90D5-57C7B102716A}" type="datetimeFigureOut">
               <a:rPr lang="pt-BR" smtClean="0"/>
-              <a:t>25/05/2018</a:t>
+              <a:t>26/05/2018</a:t>
             </a:fld>
             <a:endParaRPr lang="pt-BR"/>
           </a:p>
@@ -2672,7 +2672,7 @@
           <a:p>
             <a:fld id="{6B09C886-1C16-40F3-90D5-57C7B102716A}" type="datetimeFigureOut">
               <a:rPr lang="pt-BR" smtClean="0"/>
-              <a:t>25/05/2018</a:t>
+              <a:t>26/05/2018</a:t>
             </a:fld>
             <a:endParaRPr lang="pt-BR"/>
           </a:p>
@@ -2916,7 +2916,7 @@
           <a:p>
             <a:fld id="{6B09C886-1C16-40F3-90D5-57C7B102716A}" type="datetimeFigureOut">
               <a:rPr lang="pt-BR" smtClean="0"/>
-              <a:t>25/05/2018</a:t>
+              <a:t>26/05/2018</a:t>
             </a:fld>
             <a:endParaRPr lang="pt-BR"/>
           </a:p>
@@ -3740,7 +3740,7 @@
           <a:p>
             <a:fld id="{6B09C886-1C16-40F3-90D5-57C7B102716A}" type="datetimeFigureOut">
               <a:rPr lang="pt-BR" smtClean="0"/>
-              <a:t>25/05/2018</a:t>
+              <a:t>26/05/2018</a:t>
             </a:fld>
             <a:endParaRPr lang="pt-BR"/>
           </a:p>
@@ -4508,25 +4508,26 @@
           </a:xfrm>
         </p:spPr>
         <p:txBody>
-          <a:bodyPr/>
-          <a:lstStyle/>
-          <a:p>
+          <a:bodyPr>
+            <a:normAutofit lnSpcReduction="10000"/>
+          </a:bodyPr>
+          <a:lstStyle/>
+          <a:p>
+            <a:endParaRPr lang="pt-BR" dirty="0"/>
+          </a:p>
+          <a:p>
+            <a:pPr algn="just"/>
             <a:r>
               <a:rPr lang="pt-BR" dirty="0"/>
-              <a:t>Shopping MF Rural, E-commerce.</a:t>
-            </a:r>
-          </a:p>
-          <a:p>
+              <a:t> O principal objetivo do sistema é ser uma ferramenta Web para auxiliar na otimização e investimento financeiro no estoque, aumentando a eficiência, e minimizando as necessidades de investimentos desnecessários. </a:t>
+            </a:r>
+          </a:p>
+          <a:p>
+            <a:pPr algn="just"/>
             <a:r>
               <a:rPr lang="pt-BR" dirty="0"/>
-              <a:t>Pertence ao Grupo MF Rural.</a:t>
-            </a:r>
-          </a:p>
-          <a:p>
-            <a:pPr marL="109728" indent="0">
-              <a:buNone/>
-            </a:pPr>
-            <a:endParaRPr lang="pt-BR" dirty="0"/>
+              <a:t>Gerando relatórios com preço médio de cada produto em estoque, sendo assim qual o valor financeiro, produto mais vendido e qual o mais lucrativo. </a:t>
+            </a:r>
           </a:p>
         </p:txBody>
       </p:sp>
@@ -5221,25 +5222,143 @@
           </a:xfrm>
         </p:spPr>
         <p:txBody>
-          <a:bodyPr/>
-          <a:lstStyle/>
-          <a:p>
+          <a:bodyPr>
+            <a:normAutofit fontScale="85000" lnSpcReduction="20000"/>
+          </a:bodyPr>
+          <a:lstStyle/>
+          <a:p>
+            <a:pPr algn="just"/>
             <a:r>
               <a:rPr lang="pt-BR" dirty="0"/>
-              <a:t>Modelo relacional do banco de dados</a:t>
-            </a:r>
-          </a:p>
-          <a:p>
+              <a:t>Modelo relacional do banco de dados utilizando o MySQL Workbench 6.3</a:t>
+            </a:r>
+          </a:p>
+          <a:p>
+            <a:pPr algn="just"/>
             <a:r>
               <a:rPr lang="pt-BR" dirty="0"/>
-              <a:t>Implementação</a:t>
-            </a:r>
-          </a:p>
-          <a:p>
+              <a:t>Para implementação, como sistema gerenciador de banco de dados o SQL Server como framework o EF6(</a:t>
+            </a:r>
+            <a:r>
+              <a:rPr lang="pt-BR" dirty="0" err="1"/>
+              <a:t>Entity</a:t>
+            </a:r>
             <a:r>
               <a:rPr lang="pt-BR" dirty="0"/>
-              <a:t>Testes</a:t>
-            </a:r>
+              <a:t> Framework) o ORM( Mapeamento Objeto Relacional) da Microsoft. </a:t>
+            </a:r>
+          </a:p>
+          <a:p>
+            <a:pPr algn="just"/>
+            <a:r>
+              <a:rPr lang="pt-BR" dirty="0"/>
+              <a:t>A linguagem utilizada é o C# com o ASP.NET Web API um framework MVC</a:t>
+            </a:r>
+            <a:r>
+              <a:rPr lang="pt-BR" i="1" dirty="0"/>
+              <a:t>(</a:t>
+            </a:r>
+            <a:r>
+              <a:rPr lang="pt-BR" i="1" dirty="0" err="1"/>
+              <a:t>Model</a:t>
+            </a:r>
+            <a:r>
+              <a:rPr lang="pt-BR" i="1" dirty="0"/>
+              <a:t> </a:t>
+            </a:r>
+            <a:r>
+              <a:rPr lang="pt-BR" i="1" dirty="0" err="1"/>
+              <a:t>View</a:t>
+            </a:r>
+            <a:r>
+              <a:rPr lang="pt-BR" i="1" dirty="0"/>
+              <a:t> </a:t>
+            </a:r>
+            <a:r>
+              <a:rPr lang="pt-BR" i="1" dirty="0" err="1"/>
+              <a:t>Controller</a:t>
+            </a:r>
+            <a:r>
+              <a:rPr lang="pt-BR" i="1" dirty="0"/>
+              <a:t>)</a:t>
+            </a:r>
+            <a:r>
+              <a:rPr lang="pt-BR" dirty="0"/>
+              <a:t> </a:t>
+            </a:r>
+            <a:r>
+              <a:rPr lang="pt-BR" dirty="0" err="1"/>
+              <a:t>RESTful</a:t>
+            </a:r>
+            <a:r>
+              <a:rPr lang="pt-BR" dirty="0"/>
+              <a:t>(Verbos HTTP: GET, POST, PUT, DELETE).</a:t>
+            </a:r>
+          </a:p>
+          <a:p>
+            <a:pPr algn="just"/>
+            <a:r>
+              <a:rPr lang="pt-BR" dirty="0"/>
+              <a:t>A interface terá o conceito de carregamento único de paginas com o Angular 5 (SPA – </a:t>
+            </a:r>
+            <a:r>
+              <a:rPr lang="pt-BR" i="1" dirty="0"/>
+              <a:t>Single Page </a:t>
+            </a:r>
+            <a:r>
+              <a:rPr lang="pt-BR" i="1" dirty="0" err="1"/>
+              <a:t>Application</a:t>
+            </a:r>
+            <a:r>
+              <a:rPr lang="pt-BR" dirty="0"/>
+              <a:t>) com as bibliotecas de CSS</a:t>
+            </a:r>
+            <a:r>
+              <a:rPr lang="pt-BR" i="1" dirty="0"/>
+              <a:t>(</a:t>
+            </a:r>
+            <a:r>
+              <a:rPr lang="pt-BR" i="1" dirty="0" err="1"/>
+              <a:t>Cascading</a:t>
+            </a:r>
+            <a:r>
+              <a:rPr lang="pt-BR" i="1" dirty="0"/>
+              <a:t> </a:t>
+            </a:r>
+            <a:r>
+              <a:rPr lang="pt-BR" i="1" dirty="0" err="1"/>
+              <a:t>Style</a:t>
+            </a:r>
+            <a:r>
+              <a:rPr lang="pt-BR" i="1" dirty="0"/>
+              <a:t> </a:t>
+            </a:r>
+            <a:r>
+              <a:rPr lang="pt-BR" i="1" dirty="0" err="1"/>
+              <a:t>Sheets</a:t>
+            </a:r>
+            <a:r>
+              <a:rPr lang="pt-BR" i="1" dirty="0"/>
+              <a:t>) </a:t>
+            </a:r>
+            <a:r>
+              <a:rPr lang="pt-BR" dirty="0"/>
+              <a:t>Materialize e </a:t>
+            </a:r>
+            <a:r>
+              <a:rPr lang="pt-BR" dirty="0" err="1"/>
+              <a:t>Bootstrap</a:t>
+            </a:r>
+            <a:r>
+              <a:rPr lang="pt-BR" dirty="0"/>
+              <a:t>.   </a:t>
+            </a:r>
+          </a:p>
+          <a:p>
+            <a:pPr marL="109728" indent="0">
+              <a:buNone/>
+            </a:pPr>
+            <a:endParaRPr lang="pt-BR" dirty="0"/>
           </a:p>
         </p:txBody>
       </p:sp>
@@ -5380,12 +5499,29 @@
           </a:xfrm>
         </p:spPr>
         <p:txBody>
-          <a:bodyPr/>
-          <a:lstStyle/>
-          <a:p>
+          <a:bodyPr>
+            <a:normAutofit fontScale="92500" lnSpcReduction="20000"/>
+          </a:bodyPr>
+          <a:lstStyle/>
+          <a:p>
+            <a:pPr algn="just"/>
             <a:r>
               <a:rPr lang="pt-BR" dirty="0"/>
-              <a:t>Sistema que possibilite: fácil acesso, fácil utilização e consistência nas informações.</a:t>
+              <a:t>De acordo com a coleta de informações, realizadas por meio de questionários, 12% das mercadorias que constam no sistema de estoque atual já foram vendidos .</a:t>
+            </a:r>
+          </a:p>
+          <a:p>
+            <a:pPr algn="just"/>
+            <a:r>
+              <a:rPr lang="pt-BR" dirty="0"/>
+              <a:t>Isso em pequena escala não se torna problemático, porem com o aumento de clientes e pedidos, o numero de erros como esse só vem crescendo tornando-se um grande problema. </a:t>
+            </a:r>
+          </a:p>
+          <a:p>
+            <a:pPr algn="just"/>
+            <a:r>
+              <a:rPr lang="pt-BR" dirty="0"/>
+              <a:t>Os resultados esperados com o novo sistema é justamente o oposto, um sistema que possibilite o fácil acesso e utilização em grande escala, de forma a ter uma consistência fidedigna com a informação do sistema e o estoque físico. </a:t>
             </a:r>
           </a:p>
         </p:txBody>

--- a/TCC/III Jornada de Iniciação Científica e Tecnológica Tempate–2018.pptx
+++ b/TCC/III Jornada de Iniciação Científica e Tecnológica Tempate–2018.pptx
@@ -789,7 +789,7 @@
           <a:p>
             <a:fld id="{6B09C886-1C16-40F3-90D5-57C7B102716A}" type="datetimeFigureOut">
               <a:rPr lang="pt-BR" smtClean="0"/>
-              <a:t>26/05/2018</a:t>
+              <a:t>03/07/2018</a:t>
             </a:fld>
             <a:endParaRPr lang="pt-BR"/>
           </a:p>
@@ -972,7 +972,7 @@
           <a:p>
             <a:fld id="{6B09C886-1C16-40F3-90D5-57C7B102716A}" type="datetimeFigureOut">
               <a:rPr lang="pt-BR" smtClean="0"/>
-              <a:t>26/05/2018</a:t>
+              <a:t>03/07/2018</a:t>
             </a:fld>
             <a:endParaRPr lang="pt-BR"/>
           </a:p>
@@ -1147,7 +1147,7 @@
           <a:p>
             <a:fld id="{6B09C886-1C16-40F3-90D5-57C7B102716A}" type="datetimeFigureOut">
               <a:rPr lang="pt-BR" smtClean="0"/>
-              <a:t>26/05/2018</a:t>
+              <a:t>03/07/2018</a:t>
             </a:fld>
             <a:endParaRPr lang="pt-BR"/>
           </a:p>
@@ -1312,7 +1312,7 @@
           <a:p>
             <a:fld id="{6B09C886-1C16-40F3-90D5-57C7B102716A}" type="datetimeFigureOut">
               <a:rPr lang="pt-BR" smtClean="0"/>
-              <a:t>26/05/2018</a:t>
+              <a:t>03/07/2018</a:t>
             </a:fld>
             <a:endParaRPr lang="pt-BR"/>
           </a:p>
@@ -1533,7 +1533,7 @@
           <a:p>
             <a:fld id="{6B09C886-1C16-40F3-90D5-57C7B102716A}" type="datetimeFigureOut">
               <a:rPr lang="pt-BR" smtClean="0"/>
-              <a:t>26/05/2018</a:t>
+              <a:t>03/07/2018</a:t>
             </a:fld>
             <a:endParaRPr lang="pt-BR"/>
           </a:p>
@@ -1792,7 +1792,7 @@
           <a:p>
             <a:fld id="{6B09C886-1C16-40F3-90D5-57C7B102716A}" type="datetimeFigureOut">
               <a:rPr lang="pt-BR" smtClean="0"/>
-              <a:t>26/05/2018</a:t>
+              <a:t>03/07/2018</a:t>
             </a:fld>
             <a:endParaRPr lang="pt-BR"/>
           </a:p>
@@ -2196,7 +2196,7 @@
           <a:p>
             <a:fld id="{6B09C886-1C16-40F3-90D5-57C7B102716A}" type="datetimeFigureOut">
               <a:rPr lang="pt-BR" smtClean="0"/>
-              <a:t>26/05/2018</a:t>
+              <a:t>03/07/2018</a:t>
             </a:fld>
             <a:endParaRPr lang="pt-BR"/>
           </a:p>
@@ -2327,7 +2327,7 @@
           <a:p>
             <a:fld id="{6B09C886-1C16-40F3-90D5-57C7B102716A}" type="datetimeFigureOut">
               <a:rPr lang="pt-BR" smtClean="0"/>
-              <a:t>26/05/2018</a:t>
+              <a:t>03/07/2018</a:t>
             </a:fld>
             <a:endParaRPr lang="pt-BR"/>
           </a:p>
@@ -2427,7 +2427,7 @@
           <a:p>
             <a:fld id="{6B09C886-1C16-40F3-90D5-57C7B102716A}" type="datetimeFigureOut">
               <a:rPr lang="pt-BR" smtClean="0"/>
-              <a:t>26/05/2018</a:t>
+              <a:t>03/07/2018</a:t>
             </a:fld>
             <a:endParaRPr lang="pt-BR"/>
           </a:p>
@@ -2672,7 +2672,7 @@
           <a:p>
             <a:fld id="{6B09C886-1C16-40F3-90D5-57C7B102716A}" type="datetimeFigureOut">
               <a:rPr lang="pt-BR" smtClean="0"/>
-              <a:t>26/05/2018</a:t>
+              <a:t>03/07/2018</a:t>
             </a:fld>
             <a:endParaRPr lang="pt-BR"/>
           </a:p>
@@ -2916,7 +2916,7 @@
           <a:p>
             <a:fld id="{6B09C886-1C16-40F3-90D5-57C7B102716A}" type="datetimeFigureOut">
               <a:rPr lang="pt-BR" smtClean="0"/>
-              <a:t>26/05/2018</a:t>
+              <a:t>03/07/2018</a:t>
             </a:fld>
             <a:endParaRPr lang="pt-BR"/>
           </a:p>
@@ -3740,7 +3740,7 @@
           <a:p>
             <a:fld id="{6B09C886-1C16-40F3-90D5-57C7B102716A}" type="datetimeFigureOut">
               <a:rPr lang="pt-BR" smtClean="0"/>
-              <a:t>26/05/2018</a:t>
+              <a:t>03/07/2018</a:t>
             </a:fld>
             <a:endParaRPr lang="pt-BR"/>
           </a:p>
@@ -4205,7 +4205,7 @@
         <p:spPr>
           <a:xfrm>
             <a:off x="5796136" y="4221088"/>
-            <a:ext cx="3172663" cy="369332"/>
+            <a:ext cx="2749471" cy="369332"/>
           </a:xfrm>
           <a:prstGeom prst="rect">
             <a:avLst/>
@@ -4317,7 +4317,7 @@
                 <a:latin typeface="Arial" pitchFamily="34" charset="0"/>
                 <a:cs typeface="Arial" pitchFamily="34" charset="0"/>
               </a:rPr>
-              <a:t>28, 29 e 30 de Maio de 2018</a:t>
+              <a:t>03, 04 de Julho de 2018</a:t>
             </a:r>
           </a:p>
         </p:txBody>
@@ -5237,7 +5237,7 @@
             <a:pPr algn="just"/>
             <a:r>
               <a:rPr lang="pt-BR" dirty="0"/>
-              <a:t>Para implementação, como sistema gerenciador de banco de dados o SQL Server como framework o EF6(</a:t>
+              <a:t>Para implementação, como sistema gerenciador de banco de dados o SQL Server como framework o EF CORE(</a:t>
             </a:r>
             <a:r>
               <a:rPr lang="pt-BR" dirty="0" err="1"/>
@@ -5299,7 +5299,7 @@
             <a:pPr algn="just"/>
             <a:r>
               <a:rPr lang="pt-BR" dirty="0"/>
-              <a:t>A interface terá o conceito de carregamento único de paginas com o Angular 5 (SPA – </a:t>
+              <a:t>A interface terá o conceito de carregamento único de paginas com o Angular (SPA – </a:t>
             </a:r>
             <a:r>
               <a:rPr lang="pt-BR" i="1" dirty="0"/>
@@ -5883,7 +5883,7 @@
         <p:spPr>
           <a:xfrm>
             <a:off x="5796136" y="4221088"/>
-            <a:ext cx="3172663" cy="369332"/>
+            <a:ext cx="2749471" cy="369332"/>
           </a:xfrm>
           <a:prstGeom prst="rect">
             <a:avLst/>
@@ -5995,7 +5995,21 @@
                 <a:latin typeface="Arial" pitchFamily="34" charset="0"/>
                 <a:cs typeface="Arial" pitchFamily="34" charset="0"/>
               </a:rPr>
-              <a:t>28, 29 e 30 de Maio de 2018</a:t>
+              <a:t>02, 03 </a:t>
+            </a:r>
+            <a:r>
+              <a:rPr lang="pt-BR" b="1">
+                <a:latin typeface="Arial" pitchFamily="34" charset="0"/>
+                <a:cs typeface="Arial" pitchFamily="34" charset="0"/>
+              </a:rPr>
+              <a:t>de Julho </a:t>
+            </a:r>
+            <a:r>
+              <a:rPr lang="pt-BR" b="1" dirty="0">
+                <a:latin typeface="Arial" pitchFamily="34" charset="0"/>
+                <a:cs typeface="Arial" pitchFamily="34" charset="0"/>
+              </a:rPr>
+              <a:t>de 2018</a:t>
             </a:r>
           </a:p>
         </p:txBody>
